--- a/Capstone/Poster/poster_senior_design.pptx
+++ b/Capstone/Poster/poster_senior_design.pptx
@@ -4982,7 +4982,7 @@
         <p:spPr>
           <a:xfrm>
             <a:off x="800100" y="31832550"/>
-            <a:ext cx="5878597" cy="646331"/>
+            <a:ext cx="6498959" cy="646331"/>
           </a:xfrm>
           <a:prstGeom prst="rect">
             <a:avLst/>
@@ -4997,7 +4997,7 @@
           <a:p>
             <a:r>
               <a:rPr lang="en-US" sz="3600" dirty="0"/>
-              <a:t>Citations: http://</a:t>
+              <a:t>Citations: [1] http://</a:t>
             </a:r>
             <a:r>
               <a:rPr lang="en-US" sz="3600" dirty="0" err="1"/>
@@ -5039,8 +5039,8 @@
         </p:blipFill>
         <p:spPr bwMode="auto">
           <a:xfrm>
-            <a:off x="0" y="27666795"/>
-            <a:ext cx="5481235" cy="3474337"/>
+            <a:off x="2479226" y="27887243"/>
+            <a:ext cx="4785659" cy="3033439"/>
           </a:xfrm>
           <a:prstGeom prst="rect">
             <a:avLst/>
@@ -5086,8 +5086,8 @@
         </p:blipFill>
         <p:spPr bwMode="auto">
           <a:xfrm>
-            <a:off x="5524629" y="27821004"/>
-            <a:ext cx="3165918" cy="3165918"/>
+            <a:off x="6495299" y="28139504"/>
+            <a:ext cx="2812989" cy="2812989"/>
           </a:xfrm>
           <a:prstGeom prst="rect">
             <a:avLst/>
@@ -5133,8 +5133,8 @@
         </p:blipFill>
         <p:spPr bwMode="auto">
           <a:xfrm>
-            <a:off x="9988402" y="28196144"/>
-            <a:ext cx="3020501" cy="2944988"/>
+            <a:off x="10270955" y="28277823"/>
+            <a:ext cx="2601385" cy="2536349"/>
           </a:xfrm>
           <a:prstGeom prst="rect">
             <a:avLst/>
@@ -5342,8 +5342,8 @@
         </p:blipFill>
         <p:spPr>
           <a:xfrm>
-            <a:off x="14218349" y="28462138"/>
-            <a:ext cx="5778500" cy="2413000"/>
+            <a:off x="13324361" y="28508613"/>
+            <a:ext cx="5667205" cy="2366525"/>
           </a:xfrm>
           <a:prstGeom prst="rect">
             <a:avLst/>
@@ -5599,6 +5599,467 @@
               <a:rPr lang="en-US" sz="3800" dirty="0"/>
               <a:t>All Concepts have additional reading material in their respective settings pane.</a:t>
             </a:r>
+          </a:p>
+        </p:txBody>
+      </p:sp>
+      <p:pic>
+        <p:nvPicPr>
+          <p:cNvPr id="1086" name="Picture 19" descr="https://lh6.googleusercontent.com/RsnCSHxd5v3ldo3HkDfo2Uhhbr0tzzum0ikmW3xZuI7604i3Z1UNOP1k7Xgh_3MxcvWu5NoQJ9cyi3nRLSOoRGO7mSk9sna3E_gDdfEDupmfupdvoVWEYcFIPJ66Z4rA5lyAm3bP8uk">
+            <a:extLst>
+              <a:ext uri="{FF2B5EF4-FFF2-40B4-BE49-F238E27FC236}">
+                <a16:creationId xmlns:a16="http://schemas.microsoft.com/office/drawing/2014/main" id="{8AF90661-0DF7-774A-8942-BC78CC9264AD}"/>
+              </a:ext>
+            </a:extLst>
+          </p:cNvPr>
+          <p:cNvPicPr>
+            <a:picLocks noChangeAspect="1" noChangeArrowheads="1"/>
+          </p:cNvPicPr>
+          <p:nvPr/>
+        </p:nvPicPr>
+        <p:blipFill>
+          <a:blip r:embed="rId10">
+            <a:extLst>
+              <a:ext uri="{28A0092B-C50C-407E-A947-70E740481C1C}">
+                <a14:useLocalDpi xmlns:a14="http://schemas.microsoft.com/office/drawing/2010/main" val="0"/>
+              </a:ext>
+            </a:extLst>
+          </a:blip>
+          <a:srcRect/>
+          <a:stretch>
+            <a:fillRect/>
+          </a:stretch>
+        </p:blipFill>
+        <p:spPr bwMode="auto">
+          <a:xfrm>
+            <a:off x="770100" y="28508613"/>
+            <a:ext cx="2305148" cy="2305148"/>
+          </a:xfrm>
+          <a:prstGeom prst="rect">
+            <a:avLst/>
+          </a:prstGeom>
+          <a:noFill/>
+          <a:extLst>
+            <a:ext uri="{909E8E84-426E-40DD-AFC4-6F175D3DCCD1}">
+              <a14:hiddenFill xmlns:a14="http://schemas.microsoft.com/office/drawing/2010/main">
+                <a:solidFill>
+                  <a:srgbClr val="FFFFFF"/>
+                </a:solidFill>
+              </a14:hiddenFill>
+            </a:ext>
+          </a:extLst>
+        </p:spPr>
+      </p:pic>
+      <p:pic>
+        <p:nvPicPr>
+          <p:cNvPr id="1087" name="Picture 21" descr="https://lh5.googleusercontent.com/vGodFmBNBGqtmPwDXZAirWrja6ktppbnbt7AwXum-OYa2O0ASo20oYusPqIxLZjZvnrfx4jP40jV_NCbvJifQznC-fQFxP7zC1o2MljpNny9KxnuoRiKS49Ci6pVAJata5eWUN3UszQ">
+            <a:extLst>
+              <a:ext uri="{FF2B5EF4-FFF2-40B4-BE49-F238E27FC236}">
+                <a16:creationId xmlns:a16="http://schemas.microsoft.com/office/drawing/2014/main" id="{6AF069CE-E6F5-BB4A-AEA0-8CE885CA1739}"/>
+              </a:ext>
+            </a:extLst>
+          </p:cNvPr>
+          <p:cNvPicPr>
+            <a:picLocks noChangeAspect="1" noChangeArrowheads="1"/>
+          </p:cNvPicPr>
+          <p:nvPr/>
+        </p:nvPicPr>
+        <p:blipFill>
+          <a:blip r:embed="rId11">
+            <a:extLst>
+              <a:ext uri="{28A0092B-C50C-407E-A947-70E740481C1C}">
+                <a14:useLocalDpi xmlns:a14="http://schemas.microsoft.com/office/drawing/2010/main" val="0"/>
+              </a:ext>
+            </a:extLst>
+          </a:blip>
+          <a:srcRect/>
+          <a:stretch>
+            <a:fillRect/>
+          </a:stretch>
+        </p:blipFill>
+        <p:spPr bwMode="auto">
+          <a:xfrm>
+            <a:off x="21066254" y="28114554"/>
+            <a:ext cx="6008840" cy="3154641"/>
+          </a:xfrm>
+          <a:prstGeom prst="rect">
+            <a:avLst/>
+          </a:prstGeom>
+          <a:noFill/>
+          <a:extLst>
+            <a:ext uri="{909E8E84-426E-40DD-AFC4-6F175D3DCCD1}">
+              <a14:hiddenFill xmlns:a14="http://schemas.microsoft.com/office/drawing/2010/main">
+                <a:solidFill>
+                  <a:srgbClr val="FFFFFF"/>
+                </a:solidFill>
+              </a14:hiddenFill>
+            </a:ext>
+          </a:extLst>
+        </p:spPr>
+      </p:pic>
+      <p:pic>
+        <p:nvPicPr>
+          <p:cNvPr id="129" name="Picture 128">
+            <a:extLst>
+              <a:ext uri="{FF2B5EF4-FFF2-40B4-BE49-F238E27FC236}">
+                <a16:creationId xmlns:a16="http://schemas.microsoft.com/office/drawing/2014/main" id="{61196F23-C649-5246-9038-43AFA0695E78}"/>
+              </a:ext>
+            </a:extLst>
+          </p:cNvPr>
+          <p:cNvPicPr>
+            <a:picLocks noChangeAspect="1"/>
+          </p:cNvPicPr>
+          <p:nvPr/>
+        </p:nvPicPr>
+        <p:blipFill>
+          <a:blip r:embed="rId12">
+            <a:extLst>
+              <a:ext uri="{28A0092B-C50C-407E-A947-70E740481C1C}">
+                <a14:useLocalDpi xmlns:a14="http://schemas.microsoft.com/office/drawing/2010/main" val="0"/>
+              </a:ext>
+            </a:extLst>
+          </a:blip>
+          <a:stretch>
+            <a:fillRect/>
+          </a:stretch>
+        </p:blipFill>
+        <p:spPr>
+          <a:xfrm>
+            <a:off x="28893756" y="28890042"/>
+            <a:ext cx="2580912" cy="2580912"/>
+          </a:xfrm>
+          <a:prstGeom prst="ellipse">
+            <a:avLst/>
+          </a:prstGeom>
+        </p:spPr>
+      </p:pic>
+      <p:pic>
+        <p:nvPicPr>
+          <p:cNvPr id="1085" name="Picture 17" descr="https://lh4.googleusercontent.com/Z0bg7Wluil1XNk65V-bJ85AZ2Xcf5rkSb_t-JkxAJEpEO8-ZSuKtxpnb-AM0Yow6Yyl0orWCu77JeVuU7GShq6l0xs3nFUN8uXlbHkB8wZkalrOevYjmnptaAeRCsKIZIQqpaa8f1q8">
+            <a:extLst>
+              <a:ext uri="{FF2B5EF4-FFF2-40B4-BE49-F238E27FC236}">
+                <a16:creationId xmlns:a16="http://schemas.microsoft.com/office/drawing/2014/main" id="{72A78ECE-0FE9-3146-8D5F-CFD79AC8E0A5}"/>
+              </a:ext>
+            </a:extLst>
+          </p:cNvPr>
+          <p:cNvPicPr>
+            <a:picLocks noChangeAspect="1" noChangeArrowheads="1"/>
+          </p:cNvPicPr>
+          <p:nvPr/>
+        </p:nvPicPr>
+        <p:blipFill>
+          <a:blip r:embed="rId13">
+            <a:extLst>
+              <a:ext uri="{28A0092B-C50C-407E-A947-70E740481C1C}">
+                <a14:useLocalDpi xmlns:a14="http://schemas.microsoft.com/office/drawing/2010/main" val="0"/>
+              </a:ext>
+            </a:extLst>
+          </a:blip>
+          <a:srcRect/>
+          <a:stretch>
+            <a:fillRect/>
+          </a:stretch>
+        </p:blipFill>
+        <p:spPr bwMode="auto">
+          <a:xfrm>
+            <a:off x="19488176" y="28139504"/>
+            <a:ext cx="3020239" cy="3020239"/>
+          </a:xfrm>
+          <a:prstGeom prst="rect">
+            <a:avLst/>
+          </a:prstGeom>
+          <a:noFill/>
+          <a:extLst>
+            <a:ext uri="{909E8E84-426E-40DD-AFC4-6F175D3DCCD1}">
+              <a14:hiddenFill xmlns:a14="http://schemas.microsoft.com/office/drawing/2010/main">
+                <a:solidFill>
+                  <a:srgbClr val="FFFFFF"/>
+                </a:solidFill>
+              </a14:hiddenFill>
+            </a:ext>
+          </a:extLst>
+        </p:spPr>
+      </p:pic>
+      <p:sp>
+        <p:nvSpPr>
+          <p:cNvPr id="202" name="TextBox 201">
+            <a:extLst>
+              <a:ext uri="{FF2B5EF4-FFF2-40B4-BE49-F238E27FC236}">
+                <a16:creationId xmlns:a16="http://schemas.microsoft.com/office/drawing/2014/main" id="{C02FBCC0-5F6F-4342-9CEE-46341593457C}"/>
+              </a:ext>
+            </a:extLst>
+          </p:cNvPr>
+          <p:cNvSpPr txBox="1"/>
+          <p:nvPr/>
+        </p:nvSpPr>
+        <p:spPr>
+          <a:xfrm>
+            <a:off x="1002250" y="27170873"/>
+            <a:ext cx="2099742" cy="1323439"/>
+          </a:xfrm>
+          <a:prstGeom prst="rect">
+            <a:avLst/>
+          </a:prstGeom>
+          <a:noFill/>
+        </p:spPr>
+        <p:txBody>
+          <a:bodyPr wrap="none" rtlCol="0">
+            <a:spAutoFit/>
+          </a:bodyPr>
+          <a:lstStyle/>
+          <a:p>
+            <a:r>
+              <a:rPr lang="en-US" sz="8000" b="1" dirty="0">
+                <a:solidFill>
+                  <a:srgbClr val="C00000"/>
+                </a:solidFill>
+              </a:rPr>
+              <a:t>Tech</a:t>
+            </a:r>
+            <a:endParaRPr lang="en-US" sz="8800" b="1" dirty="0">
+              <a:solidFill>
+                <a:srgbClr val="C00000"/>
+              </a:solidFill>
+            </a:endParaRPr>
+          </a:p>
+        </p:txBody>
+      </p:sp>
+      <p:sp>
+        <p:nvSpPr>
+          <p:cNvPr id="203" name="TextBox 202">
+            <a:extLst>
+              <a:ext uri="{FF2B5EF4-FFF2-40B4-BE49-F238E27FC236}">
+                <a16:creationId xmlns:a16="http://schemas.microsoft.com/office/drawing/2014/main" id="{144BE87D-EF0E-494E-BD25-819B045DDAB3}"/>
+              </a:ext>
+            </a:extLst>
+          </p:cNvPr>
+          <p:cNvSpPr txBox="1"/>
+          <p:nvPr/>
+        </p:nvSpPr>
+        <p:spPr>
+          <a:xfrm>
+            <a:off x="28636856" y="27185173"/>
+            <a:ext cx="2462021" cy="1323439"/>
+          </a:xfrm>
+          <a:prstGeom prst="rect">
+            <a:avLst/>
+          </a:prstGeom>
+          <a:noFill/>
+        </p:spPr>
+        <p:txBody>
+          <a:bodyPr wrap="none" rtlCol="0">
+            <a:spAutoFit/>
+          </a:bodyPr>
+          <a:lstStyle/>
+          <a:p>
+            <a:r>
+              <a:rPr lang="en-US" sz="8000" b="1" dirty="0">
+                <a:solidFill>
+                  <a:srgbClr val="C00000"/>
+                </a:solidFill>
+              </a:rPr>
+              <a:t>Team</a:t>
+            </a:r>
+          </a:p>
+        </p:txBody>
+      </p:sp>
+      <p:cxnSp>
+        <p:nvCxnSpPr>
+          <p:cNvPr id="138" name="Straight Connector 137">
+            <a:extLst>
+              <a:ext uri="{FF2B5EF4-FFF2-40B4-BE49-F238E27FC236}">
+                <a16:creationId xmlns:a16="http://schemas.microsoft.com/office/drawing/2014/main" id="{34B235B2-230E-5D46-9C3D-2E28705A7415}"/>
+              </a:ext>
+            </a:extLst>
+          </p:cNvPr>
+          <p:cNvCxnSpPr/>
+          <p:nvPr/>
+        </p:nvCxnSpPr>
+        <p:spPr>
+          <a:xfrm>
+            <a:off x="0" y="26975060"/>
+            <a:ext cx="43891200" cy="0"/>
+          </a:xfrm>
+          <a:prstGeom prst="line">
+            <a:avLst/>
+          </a:prstGeom>
+          <a:ln w="31750">
+            <a:solidFill>
+              <a:srgbClr val="C00000"/>
+            </a:solidFill>
+          </a:ln>
+        </p:spPr>
+        <p:style>
+          <a:lnRef idx="1">
+            <a:schemeClr val="accent1"/>
+          </a:lnRef>
+          <a:fillRef idx="0">
+            <a:schemeClr val="accent1"/>
+          </a:fillRef>
+          <a:effectRef idx="0">
+            <a:schemeClr val="accent1"/>
+          </a:effectRef>
+          <a:fontRef idx="minor">
+            <a:schemeClr val="tx1"/>
+          </a:fontRef>
+        </p:style>
+      </p:cxnSp>
+      <p:cxnSp>
+        <p:nvCxnSpPr>
+          <p:cNvPr id="140" name="Straight Connector 139">
+            <a:extLst>
+              <a:ext uri="{FF2B5EF4-FFF2-40B4-BE49-F238E27FC236}">
+                <a16:creationId xmlns:a16="http://schemas.microsoft.com/office/drawing/2014/main" id="{CAA12F01-F066-CF43-A834-5100F46CCEE1}"/>
+              </a:ext>
+            </a:extLst>
+          </p:cNvPr>
+          <p:cNvCxnSpPr/>
+          <p:nvPr/>
+        </p:nvCxnSpPr>
+        <p:spPr>
+          <a:xfrm>
+            <a:off x="27606171" y="27206603"/>
+            <a:ext cx="0" cy="4970542"/>
+          </a:xfrm>
+          <a:prstGeom prst="line">
+            <a:avLst/>
+          </a:prstGeom>
+          <a:ln w="28575">
+            <a:solidFill>
+              <a:schemeClr val="accent3">
+                <a:lumMod val="75000"/>
+              </a:schemeClr>
+            </a:solidFill>
+          </a:ln>
+        </p:spPr>
+        <p:style>
+          <a:lnRef idx="1">
+            <a:schemeClr val="accent1"/>
+          </a:lnRef>
+          <a:fillRef idx="0">
+            <a:schemeClr val="accent1"/>
+          </a:fillRef>
+          <a:effectRef idx="0">
+            <a:schemeClr val="accent1"/>
+          </a:effectRef>
+          <a:fontRef idx="minor">
+            <a:schemeClr val="tx1"/>
+          </a:fontRef>
+        </p:style>
+      </p:cxnSp>
+      <p:pic>
+        <p:nvPicPr>
+          <p:cNvPr id="146" name="Picture 145">
+            <a:extLst>
+              <a:ext uri="{FF2B5EF4-FFF2-40B4-BE49-F238E27FC236}">
+                <a16:creationId xmlns:a16="http://schemas.microsoft.com/office/drawing/2014/main" id="{D74E1E18-21DF-5948-9731-16D1F7132F99}"/>
+              </a:ext>
+            </a:extLst>
+          </p:cNvPr>
+          <p:cNvPicPr>
+            <a:picLocks noChangeAspect="1"/>
+          </p:cNvPicPr>
+          <p:nvPr/>
+        </p:nvPicPr>
+        <p:blipFill>
+          <a:blip r:embed="rId14"/>
+          <a:stretch>
+            <a:fillRect/>
+          </a:stretch>
+        </p:blipFill>
+        <p:spPr>
+          <a:xfrm>
+            <a:off x="36145610" y="29030558"/>
+            <a:ext cx="2461817" cy="2461817"/>
+          </a:xfrm>
+          <a:prstGeom prst="ellipse">
+            <a:avLst/>
+          </a:prstGeom>
+        </p:spPr>
+      </p:pic>
+      <p:sp>
+        <p:nvSpPr>
+          <p:cNvPr id="147" name="TextBox 146">
+            <a:extLst>
+              <a:ext uri="{FF2B5EF4-FFF2-40B4-BE49-F238E27FC236}">
+                <a16:creationId xmlns:a16="http://schemas.microsoft.com/office/drawing/2014/main" id="{57CF89F2-D3F0-294D-B6E8-496E0646718C}"/>
+              </a:ext>
+            </a:extLst>
+          </p:cNvPr>
+          <p:cNvSpPr txBox="1"/>
+          <p:nvPr/>
+        </p:nvSpPr>
+        <p:spPr>
+          <a:xfrm>
+            <a:off x="31974142" y="29490392"/>
+            <a:ext cx="3676650" cy="1323439"/>
+          </a:xfrm>
+          <a:prstGeom prst="rect">
+            <a:avLst/>
+          </a:prstGeom>
+          <a:noFill/>
+        </p:spPr>
+        <p:txBody>
+          <a:bodyPr wrap="square" rtlCol="0">
+            <a:spAutoFit/>
+          </a:bodyPr>
+          <a:lstStyle/>
+          <a:p>
+            <a:r>
+              <a:rPr lang="en-US" sz="4800" dirty="0" err="1"/>
+              <a:t>Loc</a:t>
+            </a:r>
+            <a:r>
+              <a:rPr lang="en-US" sz="4800" dirty="0"/>
+              <a:t> Tran</a:t>
+            </a:r>
+          </a:p>
+          <a:p>
+            <a:r>
+              <a:rPr lang="en-US" sz="3200" dirty="0"/>
+              <a:t>tranl2@mail.uc.edu</a:t>
+            </a:r>
+          </a:p>
+        </p:txBody>
+      </p:sp>
+      <p:sp>
+        <p:nvSpPr>
+          <p:cNvPr id="148" name="TextBox 147">
+            <a:extLst>
+              <a:ext uri="{FF2B5EF4-FFF2-40B4-BE49-F238E27FC236}">
+                <a16:creationId xmlns:a16="http://schemas.microsoft.com/office/drawing/2014/main" id="{594FD5BD-A9DC-7443-9CC7-ADFEFD27EC0B}"/>
+              </a:ext>
+            </a:extLst>
+          </p:cNvPr>
+          <p:cNvSpPr txBox="1"/>
+          <p:nvPr/>
+        </p:nvSpPr>
+        <p:spPr>
+          <a:xfrm>
+            <a:off x="39102245" y="29490322"/>
+            <a:ext cx="3852937" cy="1323439"/>
+          </a:xfrm>
+          <a:prstGeom prst="rect">
+            <a:avLst/>
+          </a:prstGeom>
+          <a:noFill/>
+        </p:spPr>
+        <p:txBody>
+          <a:bodyPr wrap="square" rtlCol="0">
+            <a:spAutoFit/>
+          </a:bodyPr>
+          <a:lstStyle/>
+          <a:p>
+            <a:r>
+              <a:rPr lang="en-US" sz="4800" dirty="0"/>
+              <a:t>Zach Carey</a:t>
+            </a:r>
+          </a:p>
+          <a:p>
+            <a:r>
+              <a:rPr lang="en-US" sz="3200" dirty="0" err="1"/>
+              <a:t>Careyzr@mail.uc.edu</a:t>
+            </a:r>
+            <a:endParaRPr lang="en-US" sz="3200" dirty="0"/>
           </a:p>
         </p:txBody>
       </p:sp>
